--- a/Bao Nguyen's G2M Project.pptx
+++ b/Bao Nguyen's G2M Project.pptx
@@ -9586,7 +9586,7 @@
           <a:p>
             <a:fld id="{BCC9BD19-178E-4EC5-8E1B-FDAEB489249D}" type="datetimeFigureOut">
               <a:rPr lang="en-GB" smtClean="0"/>
-              <a:t>07/10/2021</a:t>
+              <a:t>09/10/2021</a:t>
             </a:fld>
             <a:endParaRPr lang="en-GB"/>
           </a:p>
@@ -9983,7 +9983,7 @@
           <a:p>
             <a:fld id="{C764DE79-268F-4C1A-8933-263129D2AF90}" type="datetimeFigureOut">
               <a:rPr lang="en-US" dirty="0"/>
-              <a:t>10/7/2021</a:t>
+              <a:t>10/9/2021</a:t>
             </a:fld>
             <a:endParaRPr lang="en-US"/>
           </a:p>
@@ -10151,7 +10151,7 @@
           <a:p>
             <a:fld id="{C764DE79-268F-4C1A-8933-263129D2AF90}" type="datetimeFigureOut">
               <a:rPr lang="en-US" dirty="0"/>
-              <a:t>10/7/2021</a:t>
+              <a:t>10/9/2021</a:t>
             </a:fld>
             <a:endParaRPr lang="en-US"/>
           </a:p>
@@ -10329,7 +10329,7 @@
           <a:p>
             <a:fld id="{C764DE79-268F-4C1A-8933-263129D2AF90}" type="datetimeFigureOut">
               <a:rPr lang="en-US" dirty="0"/>
-              <a:t>10/7/2021</a:t>
+              <a:t>10/9/2021</a:t>
             </a:fld>
             <a:endParaRPr lang="en-US"/>
           </a:p>
@@ -10497,7 +10497,7 @@
           <a:p>
             <a:fld id="{C764DE79-268F-4C1A-8933-263129D2AF90}" type="datetimeFigureOut">
               <a:rPr lang="en-US" dirty="0"/>
-              <a:t>10/7/2021</a:t>
+              <a:t>10/9/2021</a:t>
             </a:fld>
             <a:endParaRPr lang="en-US"/>
           </a:p>
@@ -10742,7 +10742,7 @@
           <a:p>
             <a:fld id="{C764DE79-268F-4C1A-8933-263129D2AF90}" type="datetimeFigureOut">
               <a:rPr lang="en-US" dirty="0"/>
-              <a:t>10/7/2021</a:t>
+              <a:t>10/9/2021</a:t>
             </a:fld>
             <a:endParaRPr lang="en-US"/>
           </a:p>
@@ -10971,7 +10971,7 @@
           <a:p>
             <a:fld id="{C764DE79-268F-4C1A-8933-263129D2AF90}" type="datetimeFigureOut">
               <a:rPr lang="en-US" dirty="0"/>
-              <a:t>10/7/2021</a:t>
+              <a:t>10/9/2021</a:t>
             </a:fld>
             <a:endParaRPr lang="en-US"/>
           </a:p>
@@ -11335,7 +11335,7 @@
           <a:p>
             <a:fld id="{C764DE79-268F-4C1A-8933-263129D2AF90}" type="datetimeFigureOut">
               <a:rPr lang="en-US" dirty="0"/>
-              <a:t>10/7/2021</a:t>
+              <a:t>10/9/2021</a:t>
             </a:fld>
             <a:endParaRPr lang="en-US"/>
           </a:p>
@@ -11452,7 +11452,7 @@
           <a:p>
             <a:fld id="{C764DE79-268F-4C1A-8933-263129D2AF90}" type="datetimeFigureOut">
               <a:rPr lang="en-US" dirty="0"/>
-              <a:t>10/7/2021</a:t>
+              <a:t>10/9/2021</a:t>
             </a:fld>
             <a:endParaRPr lang="en-US"/>
           </a:p>
@@ -11547,7 +11547,7 @@
           <a:p>
             <a:fld id="{C764DE79-268F-4C1A-8933-263129D2AF90}" type="datetimeFigureOut">
               <a:rPr lang="en-US" dirty="0"/>
-              <a:t>10/7/2021</a:t>
+              <a:t>10/9/2021</a:t>
             </a:fld>
             <a:endParaRPr lang="en-US"/>
           </a:p>
@@ -11822,7 +11822,7 @@
           <a:p>
             <a:fld id="{C764DE79-268F-4C1A-8933-263129D2AF90}" type="datetimeFigureOut">
               <a:rPr lang="en-US" dirty="0"/>
-              <a:t>10/7/2021</a:t>
+              <a:t>10/9/2021</a:t>
             </a:fld>
             <a:endParaRPr lang="en-US"/>
           </a:p>
@@ -12077,7 +12077,7 @@
           <a:p>
             <a:fld id="{C764DE79-268F-4C1A-8933-263129D2AF90}" type="datetimeFigureOut">
               <a:rPr lang="en-US" dirty="0"/>
-              <a:t>10/7/2021</a:t>
+              <a:t>10/9/2021</a:t>
             </a:fld>
             <a:endParaRPr lang="en-US"/>
           </a:p>
@@ -12288,7 +12288,7 @@
           <a:p>
             <a:fld id="{C764DE79-268F-4C1A-8933-263129D2AF90}" type="datetimeFigureOut">
               <a:rPr lang="en-US" dirty="0"/>
-              <a:t>10/7/2021</a:t>
+              <a:t>10/9/2021</a:t>
             </a:fld>
             <a:endParaRPr lang="en-US"/>
           </a:p>
